--- a/lectures/lecture-4/Lecture_4_RA.pptx
+++ b/lectures/lecture-4/Lecture_4_RA.pptx
@@ -295,7 +295,7 @@
           <a:p>
             <a:fld id="{ADB8A9A7-2F8A-8542-A5B3-1DCBE9DCB46D}" type="datetimeFigureOut">
               <a:rPr lang="en-US" smtClean="0"/>
-              <a:t>2/4/19</a:t>
+              <a:t>2/6/19</a:t>
             </a:fld>
             <a:endParaRPr lang="en-US"/>
           </a:p>
@@ -2082,7 +2082,7 @@
           <a:p>
             <a:fld id="{C7F75508-BB0A-464D-ADEF-3A0075ABE227}" type="datetime1">
               <a:rPr lang="en-US" smtClean="0"/>
-              <a:t>2/4/19</a:t>
+              <a:t>2/6/19</a:t>
             </a:fld>
             <a:endParaRPr lang="en-US"/>
           </a:p>
@@ -2252,7 +2252,7 @@
           <a:p>
             <a:fld id="{C16159A3-DF54-4C46-A244-9A1C3258A5D5}" type="datetime1">
               <a:rPr lang="en-US" smtClean="0"/>
-              <a:t>2/4/19</a:t>
+              <a:t>2/6/19</a:t>
             </a:fld>
             <a:endParaRPr lang="en-US"/>
           </a:p>
@@ -2432,7 +2432,7 @@
           <a:p>
             <a:fld id="{B3E23A13-4A4C-C245-A282-B82029FF14A9}" type="datetime1">
               <a:rPr lang="en-US" smtClean="0"/>
-              <a:t>2/4/19</a:t>
+              <a:t>2/6/19</a:t>
             </a:fld>
             <a:endParaRPr lang="en-US"/>
           </a:p>
@@ -2602,7 +2602,7 @@
           <a:p>
             <a:fld id="{F1FDBABF-E9B9-0B48-88BB-0E26979FE3C3}" type="datetime1">
               <a:rPr lang="en-US" smtClean="0"/>
-              <a:t>2/4/19</a:t>
+              <a:t>2/6/19</a:t>
             </a:fld>
             <a:endParaRPr lang="en-US"/>
           </a:p>
@@ -2848,7 +2848,7 @@
           <a:p>
             <a:fld id="{670FF0DC-4CC6-E74B-ADE9-A3A724E54A70}" type="datetime1">
               <a:rPr lang="en-US" smtClean="0"/>
-              <a:t>2/4/19</a:t>
+              <a:t>2/6/19</a:t>
             </a:fld>
             <a:endParaRPr lang="en-US"/>
           </a:p>
@@ -3080,7 +3080,7 @@
           <a:p>
             <a:fld id="{096CA4E7-51A4-4043-B144-32E78EB53B2F}" type="datetime1">
               <a:rPr lang="en-US" smtClean="0"/>
-              <a:t>2/4/19</a:t>
+              <a:t>2/6/19</a:t>
             </a:fld>
             <a:endParaRPr lang="en-US"/>
           </a:p>
@@ -3447,7 +3447,7 @@
           <a:p>
             <a:fld id="{BEA253EF-D8E3-0440-8139-36EEB92428E3}" type="datetime1">
               <a:rPr lang="en-US" smtClean="0"/>
-              <a:t>2/4/19</a:t>
+              <a:t>2/6/19</a:t>
             </a:fld>
             <a:endParaRPr lang="en-US"/>
           </a:p>
@@ -3565,7 +3565,7 @@
           <a:p>
             <a:fld id="{13FA77A2-9965-7C42-98E1-8D5C145B4EDB}" type="datetime1">
               <a:rPr lang="en-US" smtClean="0"/>
-              <a:t>2/4/19</a:t>
+              <a:t>2/6/19</a:t>
             </a:fld>
             <a:endParaRPr lang="en-US"/>
           </a:p>
@@ -3660,7 +3660,7 @@
           <a:p>
             <a:fld id="{6A307D39-643B-3A4B-8B1B-C9B22069A6E3}" type="datetime1">
               <a:rPr lang="en-US" smtClean="0"/>
-              <a:t>2/4/19</a:t>
+              <a:t>2/6/19</a:t>
             </a:fld>
             <a:endParaRPr lang="en-US"/>
           </a:p>
@@ -3937,7 +3937,7 @@
           <a:p>
             <a:fld id="{B2591225-698E-4144-BE2D-C0FAD87E1DE5}" type="datetime1">
               <a:rPr lang="en-US" smtClean="0"/>
-              <a:t>2/4/19</a:t>
+              <a:t>2/6/19</a:t>
             </a:fld>
             <a:endParaRPr lang="en-US"/>
           </a:p>
@@ -4190,7 +4190,7 @@
           <a:p>
             <a:fld id="{8092CE43-A1E8-1340-A845-87D6176A44FB}" type="datetime1">
               <a:rPr lang="en-US" smtClean="0"/>
-              <a:t>2/4/19</a:t>
+              <a:t>2/6/19</a:t>
             </a:fld>
             <a:endParaRPr lang="en-US"/>
           </a:p>
@@ -4403,7 +4403,7 @@
           <a:p>
             <a:fld id="{32E80DAD-0F0E-1C48-9551-E0290ADDD356}" type="datetime1">
               <a:rPr lang="en-US" smtClean="0"/>
-              <a:t>2/4/19</a:t>
+              <a:t>2/6/19</a:t>
             </a:fld>
             <a:endParaRPr lang="en-US"/>
           </a:p>
@@ -4884,13 +4884,8 @@
           <a:p>
             <a:r>
               <a:rPr lang="en-US" dirty="0" smtClean="0"/>
-              <a:t>Lecture </a:t>
-            </a:r>
-            <a:r>
-              <a:rPr lang="en-US" dirty="0" smtClean="0"/>
-              <a:t>4: Relational Algebra</a:t>
-            </a:r>
-            <a:endParaRPr lang="en-US" dirty="0" smtClean="0"/>
+              <a:t>Lecture 4: Relational Algebra</a:t>
+            </a:r>
           </a:p>
           <a:p>
             <a:endParaRPr lang="en-US" dirty="0"/>
@@ -7129,13 +7124,7 @@
               <a:rPr lang="en-US" sz="2400" dirty="0" smtClean="0">
                 <a:latin typeface="+mj-lt"/>
               </a:rPr>
-              <a:t>In </a:t>
-            </a:r>
-            <a:r>
-              <a:rPr lang="en-US" sz="2400" dirty="0" smtClean="0">
-                <a:latin typeface="+mj-lt"/>
-              </a:rPr>
-              <a:t>practice DBMSs relax the set requirement, and use multisets.  </a:t>
+              <a:t>In practice DBMSs relax the set requirement, and use multisets.  </a:t>
             </a:r>
             <a:endParaRPr lang="en-US" sz="2400" dirty="0">
               <a:latin typeface="+mj-lt"/>
@@ -13437,13 +13426,7 @@
               <a:rPr lang="en-US" sz="2400" dirty="0" smtClean="0">
                 <a:latin typeface="+mj-lt"/>
               </a:rPr>
-              <a:t>Translate to relational algebra </a:t>
-            </a:r>
-            <a:r>
-              <a:rPr lang="en-US" sz="2400" dirty="0" smtClean="0">
-                <a:latin typeface="+mj-lt"/>
-              </a:rPr>
-              <a:t>expression</a:t>
+              <a:t>Translate to relational algebra expression</a:t>
             </a:r>
             <a:endParaRPr lang="en-US" sz="2400" dirty="0">
               <a:latin typeface="+mj-lt"/>
@@ -17148,7 +17131,11 @@
             <a:graphicFrameLocks noGrp="1"/>
           </p:cNvGraphicFramePr>
           <p:nvPr>
-            <p:extLst/>
+            <p:extLst>
+              <p:ext uri="{D42A27DB-BD31-4B8C-83A1-F6EECF244321}">
+                <p14:modId xmlns:p14="http://schemas.microsoft.com/office/powerpoint/2010/main" val="1583550502"/>
+              </p:ext>
+            </p:extLst>
           </p:nvPr>
         </p:nvGraphicFramePr>
         <p:xfrm>
@@ -17599,7 +17586,7 @@
                         <a:tabLst/>
                       </a:pPr>
                       <a:r>
-                        <a:rPr kumimoji="0" lang="en-US" sz="2800" b="0" i="0" u="none" strike="noStrike" cap="none" normalizeH="0" baseline="0">
+                        <a:rPr kumimoji="0" lang="en-US" sz="2800" b="0" i="0" u="none" strike="noStrike" cap="none" normalizeH="0" baseline="0" dirty="0" smtClean="0">
                           <a:ln>
                             <a:noFill/>
                           </a:ln>
@@ -17609,8 +17596,18 @@
                           <a:effectLst/>
                           <a:latin typeface="Times" pitchFamily="-111" charset="0"/>
                         </a:rPr>
-                        <a:t>200000</a:t>
+                        <a:t>20000</a:t>
                       </a:r>
+                      <a:endParaRPr kumimoji="0" lang="en-US" sz="2800" b="0" i="0" u="none" strike="noStrike" cap="none" normalizeH="0" baseline="0" dirty="0">
+                        <a:ln>
+                          <a:noFill/>
+                        </a:ln>
+                        <a:solidFill>
+                          <a:schemeClr val="tx1"/>
+                        </a:solidFill>
+                        <a:effectLst/>
+                        <a:latin typeface="Times" pitchFamily="-111" charset="0"/>
+                      </a:endParaRPr>
                     </a:p>
                   </a:txBody>
                   <a:tcPr horzOverflow="overflow">
@@ -40259,15 +40256,7 @@
           <a:p>
             <a:r>
               <a:rPr lang="en-US" dirty="0" smtClean="0"/>
-              <a:t>Example: Converting </a:t>
-            </a:r>
-            <a:r>
-              <a:rPr lang="en-US" dirty="0" smtClean="0"/>
-              <a:t>SQL Query </a:t>
-            </a:r>
-            <a:r>
-              <a:rPr lang="en-US" dirty="0" smtClean="0"/>
-              <a:t>-&gt; RA</a:t>
+              <a:t>Example: Converting SQL Query -&gt; RA</a:t>
             </a:r>
             <a:endParaRPr lang="en-US" dirty="0"/>
           </a:p>
@@ -41022,15 +41011,7 @@
           <a:p>
             <a:r>
               <a:rPr lang="en-US" dirty="0" smtClean="0"/>
-              <a:t>Logical </a:t>
-            </a:r>
-            <a:r>
-              <a:rPr lang="en-US" dirty="0" smtClean="0"/>
-              <a:t>Equivalence </a:t>
-            </a:r>
-            <a:r>
-              <a:rPr lang="en-US" dirty="0" smtClean="0"/>
-              <a:t>of RA Plans</a:t>
+              <a:t>Logical Equivalence of RA Plans</a:t>
             </a:r>
             <a:endParaRPr lang="en-US" dirty="0"/>
           </a:p>
